--- a/week2/week_2_p/계획.pptx
+++ b/week2/week_2_p/계획.pptx
@@ -197,7 +197,7 @@
           <a:p>
             <a:fld id="{1D64B4F6-7F04-154D-AE8B-2424B6D9113F}" type="datetimeFigureOut">
               <a:rPr kumimoji="1" lang="ko-Kore-KR" altLang="en-US" smtClean="0"/>
-              <a:t>2023. 10. 4.</a:t>
+              <a:t>2023. 10. 9.</a:t>
             </a:fld>
             <a:endParaRPr kumimoji="1" lang="ko-Kore-KR" altLang="en-US"/>
           </a:p>
@@ -698,7 +698,7 @@
           <a:p>
             <a:fld id="{90B1E27D-E6AD-D64E-867D-13B0A69EADBC}" type="datetimeFigureOut">
               <a:rPr kumimoji="1" lang="ko-Kore-KR" altLang="en-US" smtClean="0"/>
-              <a:t>2023. 10. 4.</a:t>
+              <a:t>2023. 10. 9.</a:t>
             </a:fld>
             <a:endParaRPr kumimoji="1" lang="ko-Kore-KR" altLang="en-US"/>
           </a:p>
@@ -898,7 +898,7 @@
           <a:p>
             <a:fld id="{90B1E27D-E6AD-D64E-867D-13B0A69EADBC}" type="datetimeFigureOut">
               <a:rPr kumimoji="1" lang="ko-Kore-KR" altLang="en-US" smtClean="0"/>
-              <a:t>2023. 10. 4.</a:t>
+              <a:t>2023. 10. 9.</a:t>
             </a:fld>
             <a:endParaRPr kumimoji="1" lang="ko-Kore-KR" altLang="en-US"/>
           </a:p>
@@ -1108,7 +1108,7 @@
           <a:p>
             <a:fld id="{90B1E27D-E6AD-D64E-867D-13B0A69EADBC}" type="datetimeFigureOut">
               <a:rPr kumimoji="1" lang="ko-Kore-KR" altLang="en-US" smtClean="0"/>
-              <a:t>2023. 10. 4.</a:t>
+              <a:t>2023. 10. 9.</a:t>
             </a:fld>
             <a:endParaRPr kumimoji="1" lang="ko-Kore-KR" altLang="en-US"/>
           </a:p>
@@ -1308,7 +1308,7 @@
           <a:p>
             <a:fld id="{90B1E27D-E6AD-D64E-867D-13B0A69EADBC}" type="datetimeFigureOut">
               <a:rPr kumimoji="1" lang="ko-Kore-KR" altLang="en-US" smtClean="0"/>
-              <a:t>2023. 10. 4.</a:t>
+              <a:t>2023. 10. 9.</a:t>
             </a:fld>
             <a:endParaRPr kumimoji="1" lang="ko-Kore-KR" altLang="en-US"/>
           </a:p>
@@ -1584,7 +1584,7 @@
           <a:p>
             <a:fld id="{90B1E27D-E6AD-D64E-867D-13B0A69EADBC}" type="datetimeFigureOut">
               <a:rPr kumimoji="1" lang="ko-Kore-KR" altLang="en-US" smtClean="0"/>
-              <a:t>2023. 10. 4.</a:t>
+              <a:t>2023. 10. 9.</a:t>
             </a:fld>
             <a:endParaRPr kumimoji="1" lang="ko-Kore-KR" altLang="en-US"/>
           </a:p>
@@ -1852,7 +1852,7 @@
           <a:p>
             <a:fld id="{90B1E27D-E6AD-D64E-867D-13B0A69EADBC}" type="datetimeFigureOut">
               <a:rPr kumimoji="1" lang="ko-Kore-KR" altLang="en-US" smtClean="0"/>
-              <a:t>2023. 10. 4.</a:t>
+              <a:t>2023. 10. 9.</a:t>
             </a:fld>
             <a:endParaRPr kumimoji="1" lang="ko-Kore-KR" altLang="en-US"/>
           </a:p>
@@ -2267,7 +2267,7 @@
           <a:p>
             <a:fld id="{90B1E27D-E6AD-D64E-867D-13B0A69EADBC}" type="datetimeFigureOut">
               <a:rPr kumimoji="1" lang="ko-Kore-KR" altLang="en-US" smtClean="0"/>
-              <a:t>2023. 10. 4.</a:t>
+              <a:t>2023. 10. 9.</a:t>
             </a:fld>
             <a:endParaRPr kumimoji="1" lang="ko-Kore-KR" altLang="en-US"/>
           </a:p>
@@ -2409,7 +2409,7 @@
           <a:p>
             <a:fld id="{90B1E27D-E6AD-D64E-867D-13B0A69EADBC}" type="datetimeFigureOut">
               <a:rPr kumimoji="1" lang="ko-Kore-KR" altLang="en-US" smtClean="0"/>
-              <a:t>2023. 10. 4.</a:t>
+              <a:t>2023. 10. 9.</a:t>
             </a:fld>
             <a:endParaRPr kumimoji="1" lang="ko-Kore-KR" altLang="en-US"/>
           </a:p>
@@ -2522,7 +2522,7 @@
           <a:p>
             <a:fld id="{90B1E27D-E6AD-D64E-867D-13B0A69EADBC}" type="datetimeFigureOut">
               <a:rPr kumimoji="1" lang="ko-Kore-KR" altLang="en-US" smtClean="0"/>
-              <a:t>2023. 10. 4.</a:t>
+              <a:t>2023. 10. 9.</a:t>
             </a:fld>
             <a:endParaRPr kumimoji="1" lang="ko-Kore-KR" altLang="en-US"/>
           </a:p>
@@ -2835,7 +2835,7 @@
           <a:p>
             <a:fld id="{90B1E27D-E6AD-D64E-867D-13B0A69EADBC}" type="datetimeFigureOut">
               <a:rPr kumimoji="1" lang="ko-Kore-KR" altLang="en-US" smtClean="0"/>
-              <a:t>2023. 10. 4.</a:t>
+              <a:t>2023. 10. 9.</a:t>
             </a:fld>
             <a:endParaRPr kumimoji="1" lang="ko-Kore-KR" altLang="en-US"/>
           </a:p>
@@ -3124,7 +3124,7 @@
           <a:p>
             <a:fld id="{90B1E27D-E6AD-D64E-867D-13B0A69EADBC}" type="datetimeFigureOut">
               <a:rPr kumimoji="1" lang="ko-Kore-KR" altLang="en-US" smtClean="0"/>
-              <a:t>2023. 10. 4.</a:t>
+              <a:t>2023. 10. 9.</a:t>
             </a:fld>
             <a:endParaRPr kumimoji="1" lang="ko-Kore-KR" altLang="en-US"/>
           </a:p>
@@ -3367,7 +3367,7 @@
           <a:p>
             <a:fld id="{90B1E27D-E6AD-D64E-867D-13B0A69EADBC}" type="datetimeFigureOut">
               <a:rPr kumimoji="1" lang="ko-Kore-KR" altLang="en-US" smtClean="0"/>
-              <a:t>2023. 10. 4.</a:t>
+              <a:t>2023. 10. 9.</a:t>
             </a:fld>
             <a:endParaRPr kumimoji="1" lang="ko-Kore-KR" altLang="en-US"/>
           </a:p>
@@ -4717,6 +4717,36 @@
           <a:xfrm>
             <a:off x="7462017" y="811532"/>
             <a:ext cx="347156" cy="348196"/>
+          </a:xfrm>
+          <a:prstGeom prst="rect">
+            <a:avLst/>
+          </a:prstGeom>
+        </p:spPr>
+      </p:pic>
+      <p:pic>
+        <p:nvPicPr>
+          <p:cNvPr id="2" name="그림 1">
+            <a:extLst>
+              <a:ext uri="{FF2B5EF4-FFF2-40B4-BE49-F238E27FC236}">
+                <a16:creationId xmlns:a16="http://schemas.microsoft.com/office/drawing/2014/main" id="{3C649585-837A-E4C2-346A-23694D6593DB}"/>
+              </a:ext>
+            </a:extLst>
+          </p:cNvPr>
+          <p:cNvPicPr>
+            <a:picLocks noChangeAspect="1"/>
+          </p:cNvPicPr>
+          <p:nvPr/>
+        </p:nvPicPr>
+        <p:blipFill>
+          <a:blip r:embed="rId5"/>
+          <a:stretch>
+            <a:fillRect/>
+          </a:stretch>
+        </p:blipFill>
+        <p:spPr>
+          <a:xfrm>
+            <a:off x="0" y="1045845"/>
+            <a:ext cx="6458400" cy="6458400"/>
           </a:xfrm>
           <a:prstGeom prst="rect">
             <a:avLst/>
